--- a/Calendario2023/Ejercicios/16_VLANs/Ejercicio16_Imagen.pptx
+++ b/Calendario2023/Ejercicios/16_VLANs/Ejercicio16_Imagen.pptx
@@ -261,7 +261,7 @@
           <a:p>
             <a:fld id="{7DF7B5AE-D652-47DA-814F-E8FBF0FA59F4}" type="datetimeFigureOut">
               <a:rPr lang="es-MX" smtClean="0"/>
-              <a:t>06/06/2022</a:t>
+              <a:t>01/06/2023</a:t>
             </a:fld>
             <a:endParaRPr lang="es-MX" dirty="0"/>
           </a:p>
@@ -461,7 +461,7 @@
           <a:p>
             <a:fld id="{7DF7B5AE-D652-47DA-814F-E8FBF0FA59F4}" type="datetimeFigureOut">
               <a:rPr lang="es-MX" smtClean="0"/>
-              <a:t>06/06/2022</a:t>
+              <a:t>01/06/2023</a:t>
             </a:fld>
             <a:endParaRPr lang="es-MX" dirty="0"/>
           </a:p>
@@ -671,7 +671,7 @@
           <a:p>
             <a:fld id="{7DF7B5AE-D652-47DA-814F-E8FBF0FA59F4}" type="datetimeFigureOut">
               <a:rPr lang="es-MX" smtClean="0"/>
-              <a:t>06/06/2022</a:t>
+              <a:t>01/06/2023</a:t>
             </a:fld>
             <a:endParaRPr lang="es-MX" dirty="0"/>
           </a:p>
@@ -871,7 +871,7 @@
           <a:p>
             <a:fld id="{7DF7B5AE-D652-47DA-814F-E8FBF0FA59F4}" type="datetimeFigureOut">
               <a:rPr lang="es-MX" smtClean="0"/>
-              <a:t>06/06/2022</a:t>
+              <a:t>01/06/2023</a:t>
             </a:fld>
             <a:endParaRPr lang="es-MX" dirty="0"/>
           </a:p>
@@ -1147,7 +1147,7 @@
           <a:p>
             <a:fld id="{7DF7B5AE-D652-47DA-814F-E8FBF0FA59F4}" type="datetimeFigureOut">
               <a:rPr lang="es-MX" smtClean="0"/>
-              <a:t>06/06/2022</a:t>
+              <a:t>01/06/2023</a:t>
             </a:fld>
             <a:endParaRPr lang="es-MX" dirty="0"/>
           </a:p>
@@ -1415,7 +1415,7 @@
           <a:p>
             <a:fld id="{7DF7B5AE-D652-47DA-814F-E8FBF0FA59F4}" type="datetimeFigureOut">
               <a:rPr lang="es-MX" smtClean="0"/>
-              <a:t>06/06/2022</a:t>
+              <a:t>01/06/2023</a:t>
             </a:fld>
             <a:endParaRPr lang="es-MX" dirty="0"/>
           </a:p>
@@ -1830,7 +1830,7 @@
           <a:p>
             <a:fld id="{7DF7B5AE-D652-47DA-814F-E8FBF0FA59F4}" type="datetimeFigureOut">
               <a:rPr lang="es-MX" smtClean="0"/>
-              <a:t>06/06/2022</a:t>
+              <a:t>01/06/2023</a:t>
             </a:fld>
             <a:endParaRPr lang="es-MX" dirty="0"/>
           </a:p>
@@ -1972,7 +1972,7 @@
           <a:p>
             <a:fld id="{7DF7B5AE-D652-47DA-814F-E8FBF0FA59F4}" type="datetimeFigureOut">
               <a:rPr lang="es-MX" smtClean="0"/>
-              <a:t>06/06/2022</a:t>
+              <a:t>01/06/2023</a:t>
             </a:fld>
             <a:endParaRPr lang="es-MX" dirty="0"/>
           </a:p>
@@ -2085,7 +2085,7 @@
           <a:p>
             <a:fld id="{7DF7B5AE-D652-47DA-814F-E8FBF0FA59F4}" type="datetimeFigureOut">
               <a:rPr lang="es-MX" smtClean="0"/>
-              <a:t>06/06/2022</a:t>
+              <a:t>01/06/2023</a:t>
             </a:fld>
             <a:endParaRPr lang="es-MX" dirty="0"/>
           </a:p>
@@ -2398,7 +2398,7 @@
           <a:p>
             <a:fld id="{7DF7B5AE-D652-47DA-814F-E8FBF0FA59F4}" type="datetimeFigureOut">
               <a:rPr lang="es-MX" smtClean="0"/>
-              <a:t>06/06/2022</a:t>
+              <a:t>01/06/2023</a:t>
             </a:fld>
             <a:endParaRPr lang="es-MX" dirty="0"/>
           </a:p>
@@ -2687,7 +2687,7 @@
           <a:p>
             <a:fld id="{7DF7B5AE-D652-47DA-814F-E8FBF0FA59F4}" type="datetimeFigureOut">
               <a:rPr lang="es-MX" smtClean="0"/>
-              <a:t>06/06/2022</a:t>
+              <a:t>01/06/2023</a:t>
             </a:fld>
             <a:endParaRPr lang="es-MX" dirty="0"/>
           </a:p>
@@ -2930,7 +2930,7 @@
           <a:p>
             <a:fld id="{7DF7B5AE-D652-47DA-814F-E8FBF0FA59F4}" type="datetimeFigureOut">
               <a:rPr lang="es-MX" smtClean="0"/>
-              <a:t>06/06/2022</a:t>
+              <a:t>01/06/2023</a:t>
             </a:fld>
             <a:endParaRPr lang="es-MX" dirty="0"/>
           </a:p>
@@ -3665,7 +3665,7 @@
               <a:rPr lang="es-ES" sz="2400" b="1" dirty="0">
                 <a:latin typeface="Century Gothic" panose="020B0502020202020204" pitchFamily="34" charset="0"/>
               </a:rPr>
-              <a:t>Ejercicio 15: Ruteo entre VLANs</a:t>
+              <a:t>Ejercicio 16: Ruteo entre VLANs</a:t>
             </a:r>
             <a:endParaRPr lang="es-MX" sz="2400" b="1" dirty="0">
               <a:latin typeface="Century Gothic" panose="020B0502020202020204" pitchFamily="34" charset="0"/>
